--- a/Desktop/single_project/프로젝트. 곡물가격 데이터.pptx
+++ b/Desktop/single_project/프로젝트. 곡물가격 데이터.pptx
@@ -5572,7 +5572,7 @@
           <a:p>
             <a:fld id="{42DE5C9D-749A-459E-844B-0DCF0A518C1D}" type="datetimeFigureOut">
               <a:rPr lang="ko-KR" altLang="en-US" smtClean="0"/>
-              <a:t>2023-10-09</a:t>
+              <a:t>2023-10-10</a:t>
             </a:fld>
             <a:endParaRPr lang="ko-KR" altLang="en-US"/>
           </a:p>
@@ -7376,7 +7376,7 @@
           <a:p>
             <a:fld id="{42DE5C9D-749A-459E-844B-0DCF0A518C1D}" type="datetimeFigureOut">
               <a:rPr lang="ko-KR" altLang="en-US" smtClean="0"/>
-              <a:t>2023-10-09</a:t>
+              <a:t>2023-10-10</a:t>
             </a:fld>
             <a:endParaRPr lang="ko-KR" altLang="en-US"/>
           </a:p>
@@ -7556,7 +7556,7 @@
           <a:p>
             <a:fld id="{42DE5C9D-749A-459E-844B-0DCF0A518C1D}" type="datetimeFigureOut">
               <a:rPr lang="ko-KR" altLang="en-US" smtClean="0"/>
-              <a:t>2023-10-09</a:t>
+              <a:t>2023-10-10</a:t>
             </a:fld>
             <a:endParaRPr lang="ko-KR" altLang="en-US"/>
           </a:p>
@@ -7731,7 +7731,7 @@
           <a:p>
             <a:fld id="{42DE5C9D-749A-459E-844B-0DCF0A518C1D}" type="datetimeFigureOut">
               <a:rPr lang="ko-KR" altLang="en-US" smtClean="0"/>
-              <a:t>2023-10-09</a:t>
+              <a:t>2023-10-10</a:t>
             </a:fld>
             <a:endParaRPr lang="ko-KR" altLang="en-US"/>
           </a:p>
@@ -7979,7 +7979,7 @@
           <a:p>
             <a:fld id="{42DE5C9D-749A-459E-844B-0DCF0A518C1D}" type="datetimeFigureOut">
               <a:rPr lang="ko-KR" altLang="en-US" smtClean="0"/>
-              <a:t>2023-10-09</a:t>
+              <a:t>2023-10-10</a:t>
             </a:fld>
             <a:endParaRPr lang="ko-KR" altLang="en-US"/>
           </a:p>
@@ -9901,7 +9901,7 @@
           <a:p>
             <a:fld id="{42DE5C9D-749A-459E-844B-0DCF0A518C1D}" type="datetimeFigureOut">
               <a:rPr lang="ko-KR" altLang="en-US" smtClean="0"/>
-              <a:t>2023-10-09</a:t>
+              <a:t>2023-10-10</a:t>
             </a:fld>
             <a:endParaRPr lang="ko-KR" altLang="en-US"/>
           </a:p>
@@ -10337,7 +10337,7 @@
           <a:p>
             <a:fld id="{42DE5C9D-749A-459E-844B-0DCF0A518C1D}" type="datetimeFigureOut">
               <a:rPr lang="ko-KR" altLang="en-US" smtClean="0"/>
-              <a:t>2023-10-09</a:t>
+              <a:t>2023-10-10</a:t>
             </a:fld>
             <a:endParaRPr lang="ko-KR" altLang="en-US"/>
           </a:p>
@@ -10455,7 +10455,7 @@
           <a:p>
             <a:fld id="{42DE5C9D-749A-459E-844B-0DCF0A518C1D}" type="datetimeFigureOut">
               <a:rPr lang="ko-KR" altLang="en-US" smtClean="0"/>
-              <a:t>2023-10-09</a:t>
+              <a:t>2023-10-10</a:t>
             </a:fld>
             <a:endParaRPr lang="ko-KR" altLang="en-US"/>
           </a:p>
@@ -10550,7 +10550,7 @@
           <a:p>
             <a:fld id="{42DE5C9D-749A-459E-844B-0DCF0A518C1D}" type="datetimeFigureOut">
               <a:rPr lang="ko-KR" altLang="en-US" smtClean="0"/>
-              <a:t>2023-10-09</a:t>
+              <a:t>2023-10-10</a:t>
             </a:fld>
             <a:endParaRPr lang="ko-KR" altLang="en-US"/>
           </a:p>
@@ -10847,7 +10847,7 @@
           <a:p>
             <a:fld id="{42DE5C9D-749A-459E-844B-0DCF0A518C1D}" type="datetimeFigureOut">
               <a:rPr lang="ko-KR" altLang="en-US" smtClean="0"/>
-              <a:t>2023-10-09</a:t>
+              <a:t>2023-10-10</a:t>
             </a:fld>
             <a:endParaRPr lang="ko-KR" altLang="en-US"/>
           </a:p>
@@ -11119,7 +11119,7 @@
           <a:p>
             <a:fld id="{42DE5C9D-749A-459E-844B-0DCF0A518C1D}" type="datetimeFigureOut">
               <a:rPr lang="ko-KR" altLang="en-US" smtClean="0"/>
-              <a:t>2023-10-09</a:t>
+              <a:t>2023-10-10</a:t>
             </a:fld>
             <a:endParaRPr lang="ko-KR" altLang="en-US"/>
           </a:p>
@@ -14232,7 +14232,7 @@
           <a:p>
             <a:fld id="{42DE5C9D-749A-459E-844B-0DCF0A518C1D}" type="datetimeFigureOut">
               <a:rPr lang="ko-KR" altLang="en-US" smtClean="0"/>
-              <a:t>2023-10-09</a:t>
+              <a:t>2023-10-10</a:t>
             </a:fld>
             <a:endParaRPr lang="ko-KR" altLang="en-US"/>
           </a:p>
@@ -16621,7 +16621,7 @@
         </p:blipFill>
         <p:spPr>
           <a:xfrm>
-            <a:off x="1694688" y="1392951"/>
+            <a:off x="1761977" y="1371600"/>
             <a:ext cx="6230112" cy="4812761"/>
           </a:xfrm>
           <a:prstGeom prst="rect">
@@ -18646,6 +18646,9 @@
           </a:bodyPr>
           <a:lstStyle/>
           <a:p>
+            <a:endParaRPr lang="en-US" altLang="ko-KR" dirty="0"/>
+          </a:p>
+          <a:p>
             <a:r>
               <a:rPr lang="ko-KR" altLang="en-US" dirty="0"/>
               <a:t>쌀은 중국 </a:t>
@@ -18662,6 +18665,8 @@
               <a:rPr lang="en-US" altLang="ko-KR" dirty="0"/>
               <a:t>. </a:t>
             </a:r>
+          </a:p>
+          <a:p>
             <a:endParaRPr lang="en-US" dirty="0"/>
           </a:p>
         </p:txBody>
@@ -18841,7 +18846,7 @@
             </a:r>
             <a:r>
               <a:rPr lang="en-US" altLang="ko-KR" dirty="0"/>
-              <a:t>-</a:t>
+              <a:t>- </a:t>
             </a:r>
             <a:r>
               <a:rPr lang="ko-KR" altLang="en-US" dirty="0"/>

--- a/Desktop/single_project/프로젝트. 곡물가격 데이터.pptx
+++ b/Desktop/single_project/프로젝트. 곡물가격 데이터.pptx
@@ -17101,7 +17101,7 @@
             </a:r>
             <a:r>
               <a:rPr lang="ko-KR" altLang="en-US" dirty="0"/>
-              <a:t> 옥수수</a:t>
+              <a:t> 밀</a:t>
             </a:r>
             <a:r>
               <a:rPr lang="en-US" altLang="ko-KR" dirty="0"/>
@@ -17109,6 +17109,14 @@
             </a:r>
             <a:r>
               <a:rPr lang="ko-KR" altLang="en-US" dirty="0"/>
+              <a:t>옥수수</a:t>
+            </a:r>
+            <a:r>
+              <a:rPr lang="en-US" altLang="ko-KR" dirty="0"/>
+              <a:t>, </a:t>
+            </a:r>
+            <a:r>
+              <a:rPr lang="ko-KR" altLang="en-US" dirty="0"/>
               <a:t>보리에 한해서 </a:t>
             </a:r>
             <a:r>
@@ -17117,15 +17125,7 @@
             </a:r>
             <a:r>
               <a:rPr lang="ko-KR" altLang="en-US" dirty="0"/>
-              <a:t>이상이 나왔으며 이는 사료 및 산업재로서 </a:t>
-            </a:r>
-            <a:r>
-              <a:rPr lang="ko-KR" altLang="en-US" dirty="0" err="1"/>
-              <a:t>옥수수가많이</a:t>
-            </a:r>
-            <a:r>
-              <a:rPr lang="ko-KR" altLang="en-US" dirty="0"/>
-              <a:t> 거래된다는 것을 알 수 있다</a:t>
+              <a:t>이상이 나왔으며 이는 사료 및 산업재로서 옥수수가 많이 거래된다는 것을 알 수 있다</a:t>
             </a:r>
             <a:r>
               <a:rPr lang="en-US" altLang="ko-KR" dirty="0"/>
@@ -17185,15 +17185,7 @@
             </a:r>
             <a:r>
               <a:rPr lang="ko-KR" altLang="en-US" dirty="0"/>
-              <a:t>수입이 많이 이루어지지 않으며 육로를 통한 </a:t>
-            </a:r>
-            <a:r>
-              <a:rPr lang="ko-KR" altLang="en-US" dirty="0" err="1"/>
-              <a:t>무역이많음을</a:t>
-            </a:r>
-            <a:r>
-              <a:rPr lang="ko-KR" altLang="en-US" dirty="0"/>
-              <a:t> 확인할 수 있다</a:t>
+              <a:t>수입이 많이 이루어지지 않으며 육로를 통한 무역이 많음을 확인할 수 있다</a:t>
             </a:r>
             <a:r>
               <a:rPr lang="en-US" altLang="ko-KR" dirty="0"/>
